--- a/ml_proyect/PROYECTO ML.pptx
+++ b/ml_proyect/PROYECTO ML.pptx
@@ -9373,7 +9373,7 @@
           <a:p>
             <a:fld id="{97717AC3-EA95-4720-832D-9DA10B319A22}" type="datetimeFigureOut">
               <a:rPr lang="es-ES" smtClean="0"/>
-              <a:t>06/05/2022</a:t>
+              <a:t>07/05/2022</a:t>
             </a:fld>
             <a:endParaRPr lang="es-ES"/>
           </a:p>
@@ -9853,7 +9853,7 @@
           <a:p>
             <a:fld id="{38764743-FC5D-4DDF-BE00-3FC06227C8EA}" type="datetime1">
               <a:rPr lang="es-ES" smtClean="0"/>
-              <a:t>06/05/2022</a:t>
+              <a:t>07/05/2022</a:t>
             </a:fld>
             <a:endParaRPr lang="es-ES"/>
           </a:p>
@@ -10030,7 +10030,7 @@
           <a:p>
             <a:fld id="{F2EE7727-8B18-4DDB-87F2-30F3756403BB}" type="datetime1">
               <a:rPr lang="es-ES" smtClean="0"/>
-              <a:t>06/05/2022</a:t>
+              <a:t>07/05/2022</a:t>
             </a:fld>
             <a:endParaRPr lang="es-ES"/>
           </a:p>
@@ -10211,7 +10211,7 @@
           <a:p>
             <a:fld id="{20F38FB8-6CA3-4FF7-BC01-A8950EAC4FED}" type="datetime1">
               <a:rPr lang="es-ES" smtClean="0"/>
-              <a:t>06/05/2022</a:t>
+              <a:t>07/05/2022</a:t>
             </a:fld>
             <a:endParaRPr lang="es-ES"/>
           </a:p>
@@ -10387,7 +10387,7 @@
           <a:p>
             <a:fld id="{BCE5F6F7-3FEA-4638-B4DD-D29E154EBE9F}" type="datetime1">
               <a:rPr lang="es-ES" smtClean="0"/>
-              <a:t>06/05/2022</a:t>
+              <a:t>07/05/2022</a:t>
             </a:fld>
             <a:endParaRPr lang="es-ES" dirty="0"/>
           </a:p>
@@ -10708,7 +10708,7 @@
           <a:p>
             <a:fld id="{6DD00311-7B27-4139-A3BD-32CCB5AEA452}" type="datetime1">
               <a:rPr lang="es-ES" smtClean="0"/>
-              <a:t>06/05/2022</a:t>
+              <a:t>07/05/2022</a:t>
             </a:fld>
             <a:endParaRPr lang="es-ES"/>
           </a:p>
@@ -10946,7 +10946,7 @@
           <a:p>
             <a:fld id="{A961E41D-8EC6-4123-9A15-4607311D48FD}" type="datetime1">
               <a:rPr lang="es-ES" smtClean="0"/>
-              <a:t>06/05/2022</a:t>
+              <a:t>07/05/2022</a:t>
             </a:fld>
             <a:endParaRPr lang="es-ES"/>
           </a:p>
@@ -11349,7 +11349,7 @@
           <a:p>
             <a:fld id="{674FCE61-09CA-42E8-B4FB-20300F3E874C}" type="datetime1">
               <a:rPr lang="es-ES" smtClean="0"/>
-              <a:t>06/05/2022</a:t>
+              <a:t>07/05/2022</a:t>
             </a:fld>
             <a:endParaRPr lang="es-ES"/>
           </a:p>
@@ -11505,7 +11505,7 @@
           <a:p>
             <a:fld id="{2D3E0C88-B312-42FF-AFB2-4EE0271870AF}" type="datetime1">
               <a:rPr lang="es-ES" smtClean="0"/>
-              <a:t>06/05/2022</a:t>
+              <a:t>07/05/2022</a:t>
             </a:fld>
             <a:endParaRPr lang="es-ES"/>
           </a:p>
@@ -11639,7 +11639,7 @@
           <a:p>
             <a:fld id="{3F84EF6E-988A-4E9B-998D-C5875CE755BB}" type="datetime1">
               <a:rPr lang="es-ES" smtClean="0"/>
-              <a:t>06/05/2022</a:t>
+              <a:t>07/05/2022</a:t>
             </a:fld>
             <a:endParaRPr lang="es-ES"/>
           </a:p>
@@ -11953,7 +11953,7 @@
           <a:p>
             <a:fld id="{B2C69ADD-2B58-4D8F-B4E3-BB61B24C2E4A}" type="datetime1">
               <a:rPr lang="es-ES" smtClean="0"/>
-              <a:t>06/05/2022</a:t>
+              <a:t>07/05/2022</a:t>
             </a:fld>
             <a:endParaRPr lang="es-ES"/>
           </a:p>
@@ -12244,7 +12244,7 @@
           <a:p>
             <a:fld id="{41DAA4E1-1D2C-494E-8FF8-59D483386B3C}" type="datetime1">
               <a:rPr lang="es-ES" smtClean="0"/>
-              <a:t>06/05/2022</a:t>
+              <a:t>07/05/2022</a:t>
             </a:fld>
             <a:endParaRPr lang="es-ES"/>
           </a:p>
@@ -12499,7 +12499,7 @@
           <a:p>
             <a:fld id="{345F0656-6BF9-41B9-858D-5E12E6D5E8A3}" type="datetime1">
               <a:rPr lang="es-ES" smtClean="0"/>
-              <a:t>06/05/2022</a:t>
+              <a:t>07/05/2022</a:t>
             </a:fld>
             <a:endParaRPr lang="es-ES"/>
           </a:p>
@@ -13157,7 +13157,7 @@
           <a:p>
             <a:fld id="{87A219EF-64F8-4784-9310-7C61AC757624}" type="datetime1">
               <a:rPr lang="es-ES" smtClean="0"/>
-              <a:t>06/05/2022</a:t>
+              <a:t>07/05/2022</a:t>
             </a:fld>
             <a:endParaRPr lang="es-ES" dirty="0"/>
           </a:p>
@@ -13344,7 +13344,7 @@
           <a:p>
             <a:fld id="{4460ADDD-5CB6-4E80-B244-458F878F8B51}" type="datetime1">
               <a:rPr lang="es-ES" smtClean="0"/>
-              <a:t>06/05/2022</a:t>
+              <a:t>07/05/2022</a:t>
             </a:fld>
             <a:endParaRPr lang="es-ES" dirty="0"/>
           </a:p>
@@ -13570,7 +13570,7 @@
           <a:p>
             <a:fld id="{5A3A40D0-8CC9-4D86-B5F7-E44F7149E52C}" type="datetime1">
               <a:rPr lang="es-ES" smtClean="0"/>
-              <a:t>06/05/2022</a:t>
+              <a:t>07/05/2022</a:t>
             </a:fld>
             <a:endParaRPr lang="es-ES" dirty="0"/>
           </a:p>
@@ -13833,8 +13833,13 @@
           <a:p>
             <a:r>
               <a:rPr lang="es-ES" dirty="0"/>
-              <a:t>Función de activación: RELU</a:t>
-            </a:r>
+              <a:t>Función de activación: </a:t>
+            </a:r>
+            <a:r>
+              <a:rPr lang="es-ES" dirty="0" err="1"/>
+              <a:t>tanh</a:t>
+            </a:r>
+            <a:endParaRPr lang="es-ES" dirty="0"/>
           </a:p>
           <a:p>
             <a:pPr lvl="2"/>
@@ -13879,7 +13884,7 @@
           <a:p>
             <a:fld id="{2FC4B01C-9818-471D-A093-9C010AEEFF64}" type="datetime1">
               <a:rPr lang="es-ES" smtClean="0"/>
-              <a:t>06/05/2022</a:t>
+              <a:t>07/05/2022</a:t>
             </a:fld>
             <a:endParaRPr lang="es-ES" dirty="0"/>
           </a:p>
@@ -13951,7 +13956,7 @@
         <p:spPr>
           <a:xfrm>
             <a:off x="8029087" y="101056"/>
-            <a:ext cx="4345497" cy="6740307"/>
+            <a:ext cx="4345497" cy="6463308"/>
           </a:xfrm>
           <a:prstGeom prst="rect">
             <a:avLst/>
@@ -13966,13 +13971,13 @@
           <a:p>
             <a:r>
               <a:rPr lang="es-ES"/>
-              <a:t>{'activation': 'relu',</a:t>
+              <a:t>{'activation': 'tanh',</a:t>
             </a:r>
           </a:p>
           <a:p>
             <a:r>
               <a:rPr lang="es-ES"/>
-              <a:t> 'alpha': 2.154434690031882,</a:t>
+              <a:t> 'alpha': 0.001,</a:t>
             </a:r>
           </a:p>
           <a:p>
@@ -14008,7 +14013,7 @@
           <a:p>
             <a:r>
               <a:rPr lang="es-ES"/>
-              <a:t> 'hidden_layer_sizes': 100,</a:t>
+              <a:t> 'hidden_layer_sizes': 20,</a:t>
             </a:r>
           </a:p>
           <a:p>
@@ -14099,12 +14104,6 @@
             <a:r>
               <a:rPr lang="es-ES"/>
               <a:t> 'warm_start': False}</a:t>
-            </a:r>
-          </a:p>
-          <a:p>
-            <a:r>
-              <a:rPr lang="es-ES"/>
-              <a:t>​</a:t>
             </a:r>
             <a:endParaRPr lang="es-ES" dirty="0"/>
           </a:p>
@@ -14186,7 +14185,7 @@
           <a:p>
             <a:r>
               <a:rPr lang="es-ES" dirty="0"/>
-              <a:t>RMSE = 0.2255</a:t>
+              <a:t>RMSE = 0.2257</a:t>
             </a:r>
           </a:p>
         </p:txBody>
@@ -14238,7 +14237,7 @@
           <a:p>
             <a:fld id="{0D8061F2-B219-46EF-91F1-5DFC774220FD}" type="datetime1">
               <a:rPr lang="es-ES" smtClean="0"/>
-              <a:t>06/05/2022</a:t>
+              <a:t>07/05/2022</a:t>
             </a:fld>
             <a:endParaRPr lang="es-ES" dirty="0"/>
           </a:p>
@@ -14503,7 +14502,7 @@
           <a:p>
             <a:fld id="{6156B9D7-7A92-4C90-B874-A67ED787B301}" type="datetime1">
               <a:rPr lang="es-ES" smtClean="0"/>
-              <a:t>06/05/2022</a:t>
+              <a:t>07/05/2022</a:t>
             </a:fld>
             <a:endParaRPr lang="es-ES" dirty="0"/>
           </a:p>

--- a/ml_proyect/PROYECTO ML.pptx
+++ b/ml_proyect/PROYECTO ML.pptx
@@ -3081,6 +3081,46 @@
         </a:p>
       </dgm:t>
     </dgm:pt>
+    <dgm:pt modelId="{28DE471B-AADE-40F1-BF63-0F6A3A37AEED}">
+      <dgm:prSet phldrT="[Texto]"/>
+      <dgm:spPr/>
+      <dgm:t>
+        <a:bodyPr/>
+        <a:lstStyle/>
+        <a:p>
+          <a:r>
+            <a:rPr lang="es-ES" dirty="0" err="1"/>
+            <a:t>por_adj</a:t>
+          </a:r>
+          <a:r>
+            <a:rPr lang="es-ES" dirty="0"/>
+            <a:t> &gt;0.1</a:t>
+          </a:r>
+        </a:p>
+      </dgm:t>
+    </dgm:pt>
+    <dgm:pt modelId="{8B2558CD-63C2-4879-874A-C65D9FF61A85}" type="parTrans" cxnId="{0FE9B355-0A99-4261-A96B-08CF0821ED8E}">
+      <dgm:prSet/>
+      <dgm:spPr/>
+      <dgm:t>
+        <a:bodyPr/>
+        <a:lstStyle/>
+        <a:p>
+          <a:endParaRPr lang="es-ES"/>
+        </a:p>
+      </dgm:t>
+    </dgm:pt>
+    <dgm:pt modelId="{896DDCA6-F24B-4281-897D-A16BD3AF5E83}" type="sibTrans" cxnId="{0FE9B355-0A99-4261-A96B-08CF0821ED8E}">
+      <dgm:prSet/>
+      <dgm:spPr/>
+      <dgm:t>
+        <a:bodyPr/>
+        <a:lstStyle/>
+        <a:p>
+          <a:endParaRPr lang="es-ES"/>
+        </a:p>
+      </dgm:t>
+    </dgm:pt>
     <dgm:pt modelId="{ACB2B3A1-F065-415C-9FEB-7B256B2DB193}" type="pres">
       <dgm:prSet presAssocID="{102B8A5B-F566-4267-B490-05396EE648D6}" presName="linearFlow" presStyleCnt="0">
         <dgm:presLayoutVars>
@@ -3212,7 +3252,7 @@
       </dgm:spPr>
     </dgm:pt>
     <dgm:pt modelId="{C19F8243-FEFD-45A3-A44D-65ECB098B816}" type="pres">
-      <dgm:prSet presAssocID="{1635AF30-6D5D-4E49-A29C-681EC21D2BC2}" presName="childNode" presStyleLbl="node1" presStyleIdx="2" presStyleCnt="3" custScaleX="126003">
+      <dgm:prSet presAssocID="{1635AF30-6D5D-4E49-A29C-681EC21D2BC2}" presName="childNode" presStyleLbl="node1" presStyleIdx="2" presStyleCnt="3" custScaleX="126003" custLinFactNeighborY="595">
         <dgm:presLayoutVars>
           <dgm:bulletEnabled val="1"/>
         </dgm:presLayoutVars>
@@ -3253,6 +3293,7 @@
     <dgm:cxn modelId="{FD8D3E4E-4F29-417D-BC9A-36E6FB32BC57}" type="presOf" srcId="{B7B6A245-9313-4B9A-98AD-55BFC36AF9A8}" destId="{06E3BE0E-7B7F-48FC-AC97-8EEC7FAFD88D}" srcOrd="0" destOrd="1" presId="urn:microsoft.com/office/officeart/2005/8/layout/hList2"/>
     <dgm:cxn modelId="{339BE372-BA0E-4D8F-B58B-6C5991CA1FBD}" srcId="{102B8A5B-F566-4267-B490-05396EE648D6}" destId="{6F39D31A-CAE3-41A2-ACEE-073CD5CA1C7D}" srcOrd="1" destOrd="0" parTransId="{44A69BCA-E2EF-4A9C-8DC2-889D0C33B0AF}" sibTransId="{6FAF75E6-3212-4F8B-A119-EAB025819DA1}"/>
     <dgm:cxn modelId="{AF63F272-16A9-47AF-888B-0AF03305DB3D}" type="presOf" srcId="{715FDE8D-D2FE-4F24-A299-A86854BD74B1}" destId="{61F09A1F-7EF0-4500-AE2E-58B591D383DD}" srcOrd="0" destOrd="0" presId="urn:microsoft.com/office/officeart/2005/8/layout/hList2"/>
+    <dgm:cxn modelId="{0FE9B355-0A99-4261-A96B-08CF0821ED8E}" srcId="{1635AF30-6D5D-4E49-A29C-681EC21D2BC2}" destId="{28DE471B-AADE-40F1-BF63-0F6A3A37AEED}" srcOrd="3" destOrd="0" parTransId="{8B2558CD-63C2-4879-874A-C65D9FF61A85}" sibTransId="{896DDCA6-F24B-4281-897D-A16BD3AF5E83}"/>
     <dgm:cxn modelId="{F866F158-FEF1-4D9B-9E13-19C31848B032}" type="presOf" srcId="{A94F07E0-6804-4680-A6AA-E0B55A038ADE}" destId="{61F09A1F-7EF0-4500-AE2E-58B591D383DD}" srcOrd="0" destOrd="8" presId="urn:microsoft.com/office/officeart/2005/8/layout/hList2"/>
     <dgm:cxn modelId="{B2320C94-878F-495F-A7F7-653B1EA46000}" type="presOf" srcId="{89CDFB89-D258-47D1-A6D3-8EE79A5CA0C6}" destId="{1A86DBF7-BFF0-42AC-A03D-7088E9A29BCE}" srcOrd="0" destOrd="0" presId="urn:microsoft.com/office/officeart/2005/8/layout/hList2"/>
     <dgm:cxn modelId="{4A39F996-0546-4FD8-A35A-425A0B876ADE}" srcId="{6F39D31A-CAE3-41A2-ACEE-073CD5CA1C7D}" destId="{29E8FD66-442C-458B-9545-C989767E1E6C}" srcOrd="4" destOrd="0" parTransId="{7E1E2233-9B27-4040-9EB9-338427220C56}" sibTransId="{CA511DD0-E997-48D5-8BA0-9CBDACC1D460}"/>
@@ -3269,6 +3310,7 @@
     <dgm:cxn modelId="{9339DCE3-9020-4BB5-9EC1-6EB650CA9C77}" srcId="{6F39D31A-CAE3-41A2-ACEE-073CD5CA1C7D}" destId="{B6FBEF7D-4C03-45B7-97C7-638CF17D1141}" srcOrd="5" destOrd="0" parTransId="{07987F65-9386-4304-A426-2A175CA308D1}" sibTransId="{DC9EFF07-5022-4983-B1AD-6D80452D7978}"/>
     <dgm:cxn modelId="{036D35E4-2560-497C-A425-7A7D9744BBD3}" srcId="{6F39D31A-CAE3-41A2-ACEE-073CD5CA1C7D}" destId="{9B33AE99-5FE4-41C5-A3FA-E7D559621EB6}" srcOrd="3" destOrd="0" parTransId="{BCCBD1FC-847C-463E-B662-CB549A8FDD0C}" sibTransId="{F56CE37B-60BF-452D-85E2-C4304C06A3EC}"/>
     <dgm:cxn modelId="{433F13E7-8117-40FC-BBD4-3CCB1C13D76C}" srcId="{102B8A5B-F566-4267-B490-05396EE648D6}" destId="{1635AF30-6D5D-4E49-A29C-681EC21D2BC2}" srcOrd="2" destOrd="0" parTransId="{CD1686C0-7204-497B-BB85-C639975A2046}" sibTransId="{F12D3D17-A384-4330-B3F9-2BB49D134EF0}"/>
+    <dgm:cxn modelId="{233F08FB-4371-47CC-B102-5BC97568DBFE}" type="presOf" srcId="{28DE471B-AADE-40F1-BF63-0F6A3A37AEED}" destId="{C19F8243-FEFD-45A3-A44D-65ECB098B816}" srcOrd="0" destOrd="3" presId="urn:microsoft.com/office/officeart/2005/8/layout/hList2"/>
     <dgm:cxn modelId="{912B1173-B68D-4135-B1B8-439DE4E7F9DB}" type="presParOf" srcId="{ACB2B3A1-F065-415C-9FEB-7B256B2DB193}" destId="{1428AB7D-7C27-4920-801D-BD0ABBACAE36}" srcOrd="0" destOrd="0" presId="urn:microsoft.com/office/officeart/2005/8/layout/hList2"/>
     <dgm:cxn modelId="{CE56DCED-FC3E-48FD-A04E-979598901CA9}" type="presParOf" srcId="{1428AB7D-7C27-4920-801D-BD0ABBACAE36}" destId="{AF89A5E1-EC28-4FBA-B93E-EDF90517090A}" srcOrd="0" destOrd="0" presId="urn:microsoft.com/office/officeart/2005/8/layout/hList2"/>
     <dgm:cxn modelId="{D0BB63C6-5402-43D3-8F9F-964F537F746A}" type="presParOf" srcId="{1428AB7D-7C27-4920-801D-BD0ABBACAE36}" destId="{06E3BE0E-7B7F-48FC-AC97-8EEC7FAFD88D}" srcOrd="1" destOrd="0" presId="urn:microsoft.com/office/officeart/2005/8/layout/hList2"/>
@@ -4590,7 +4632,7 @@
       </dsp:nvSpPr>
       <dsp:spPr>
         <a:xfrm>
-          <a:off x="5751255" y="838775"/>
+          <a:off x="5751255" y="863923"/>
           <a:ext cx="2308168" cy="4226560"/>
         </a:xfrm>
         <a:prstGeom prst="rect">
@@ -4695,9 +4737,31 @@
             <a:t> [5000,50000000]</a:t>
           </a:r>
         </a:p>
+        <a:p>
+          <a:pPr marL="171450" lvl="1" indent="-171450" algn="l" defTabSz="800100">
+            <a:lnSpc>
+              <a:spcPct val="90000"/>
+            </a:lnSpc>
+            <a:spcBef>
+              <a:spcPct val="0"/>
+            </a:spcBef>
+            <a:spcAft>
+              <a:spcPct val="15000"/>
+            </a:spcAft>
+            <a:buChar char="•"/>
+          </a:pPr>
+          <a:r>
+            <a:rPr lang="es-ES" sz="1800" kern="1200" dirty="0" err="1"/>
+            <a:t>por_adj</a:t>
+          </a:r>
+          <a:r>
+            <a:rPr lang="es-ES" sz="1800" kern="1200" dirty="0"/>
+            <a:t> &gt;0.1</a:t>
+          </a:r>
+        </a:p>
       </dsp:txBody>
       <dsp:txXfrm>
-        <a:off x="5751255" y="838775"/>
+        <a:off x="5751255" y="863923"/>
         <a:ext cx="2308168" cy="4226560"/>
       </dsp:txXfrm>
     </dsp:sp>
@@ -13538,7 +13602,7 @@
           <p:nvPr>
             <p:extLst>
               <p:ext uri="{D42A27DB-BD31-4B8C-83A1-F6EECF244321}">
-                <p14:modId xmlns:p14="http://schemas.microsoft.com/office/powerpoint/2010/main" val="1208298287"/>
+                <p14:modId xmlns:p14="http://schemas.microsoft.com/office/powerpoint/2010/main" val="2375481322"/>
               </p:ext>
             </p:extLst>
           </p:nvPr>
